--- a/Apresentação Projeto individual.pptx
+++ b/Apresentação Projeto individual.pptx
@@ -6868,6 +6868,12 @@
 </file>
 
 <file path=customXml/item2.xml><?xml version="1.0" encoding="utf-8"?>
+<p:properties xmlns:p="http://schemas.microsoft.com/office/2006/metadata/properties" xmlns:xsi="http://www.w3.org/2001/XMLSchema-instance" xmlns:pc="http://schemas.microsoft.com/office/infopath/2007/PartnerControls">
+  <documentManagement/>
+</p:properties>
+</file>
+
+<file path=customXml/item3.xml><?xml version="1.0" encoding="utf-8"?>
 <ct:contentTypeSchema xmlns:ct="http://schemas.microsoft.com/office/2006/metadata/contentType" xmlns:ma="http://schemas.microsoft.com/office/2006/metadata/properties/metaAttributes" ct:_="" ma:_="" ma:contentTypeName="Document" ma:contentTypeID="0x010100DEF508B21CBF874889FD89257544D6AE" ma:contentTypeVersion="6" ma:contentTypeDescription="Create a new document." ma:contentTypeScope="" ma:versionID="cf189616d262d05ea1f3c0d22cc602ae">
   <xsd:schema xmlns:xsd="http://www.w3.org/2001/XMLSchema" xmlns:xs="http://www.w3.org/2001/XMLSchema" xmlns:p="http://schemas.microsoft.com/office/2006/metadata/properties" xmlns:ns3="2d5a7bfe-0820-4b22-bc71-35a9a741b009" xmlns:ns4="6cdacd50-8774-4c86-bb83-dcec658b6699" targetNamespace="http://schemas.microsoft.com/office/2006/metadata/properties" ma:root="true" ma:fieldsID="e30b13833468083092728bec0247862f" ns3:_="" ns4:_="">
     <xsd:import namespace="2d5a7bfe-0820-4b22-bc71-35a9a741b009"/>
@@ -7044,12 +7050,6 @@
 </ct:contentTypeSchema>
 </file>
 
-<file path=customXml/item3.xml><?xml version="1.0" encoding="utf-8"?>
-<p:properties xmlns:p="http://schemas.microsoft.com/office/2006/metadata/properties" xmlns:xsi="http://www.w3.org/2001/XMLSchema-instance" xmlns:pc="http://schemas.microsoft.com/office/infopath/2007/PartnerControls">
-  <documentManagement/>
-</p:properties>
-</file>
-
 <file path=customXml/itemProps1.xml><?xml version="1.0" encoding="utf-8"?>
 <ds:datastoreItem xmlns:ds="http://schemas.openxmlformats.org/officeDocument/2006/customXml" ds:itemID="{63C398D8-0CED-40F9-9D39-FD584A4A9B38}">
   <ds:schemaRefs>
@@ -7059,6 +7059,23 @@
 </file>
 
 <file path=customXml/itemProps2.xml><?xml version="1.0" encoding="utf-8"?>
+<ds:datastoreItem xmlns:ds="http://schemas.openxmlformats.org/officeDocument/2006/customXml" ds:itemID="{F7F16324-00F6-4901-AE07-0B39133023E0}">
+  <ds:schemaRefs>
+    <ds:schemaRef ds:uri="6cdacd50-8774-4c86-bb83-dcec658b6699"/>
+    <ds:schemaRef ds:uri="http://www.w3.org/XML/1998/namespace"/>
+    <ds:schemaRef ds:uri="http://schemas.microsoft.com/office/2006/metadata/properties"/>
+    <ds:schemaRef ds:uri="2d5a7bfe-0820-4b22-bc71-35a9a741b009"/>
+    <ds:schemaRef ds:uri="http://schemas.microsoft.com/office/2006/documentManagement/types"/>
+    <ds:schemaRef ds:uri="http://purl.org/dc/dcmitype/"/>
+    <ds:schemaRef ds:uri="http://schemas.openxmlformats.org/package/2006/metadata/core-properties"/>
+    <ds:schemaRef ds:uri="http://schemas.microsoft.com/office/infopath/2007/PartnerControls"/>
+    <ds:schemaRef ds:uri="http://purl.org/dc/terms/"/>
+    <ds:schemaRef ds:uri="http://purl.org/dc/elements/1.1/"/>
+  </ds:schemaRefs>
+</ds:datastoreItem>
+</file>
+
+<file path=customXml/itemProps3.xml><?xml version="1.0" encoding="utf-8"?>
 <ds:datastoreItem xmlns:ds="http://schemas.openxmlformats.org/officeDocument/2006/customXml" ds:itemID="{B3CED50F-28E4-407C-B0C5-51218434246E}">
   <ds:schemaRefs>
     <ds:schemaRef ds:uri="http://schemas.microsoft.com/office/2006/metadata/contentType"/>
@@ -7075,21 +7092,4 @@
     <ds:schemaRef ds:uri="http://schemas.microsoft.com/internal/obd"/>
   </ds:schemaRefs>
 </ds:datastoreItem>
-</file>
-
-<file path=customXml/itemProps3.xml><?xml version="1.0" encoding="utf-8"?>
-<ds:datastoreItem xmlns:ds="http://schemas.openxmlformats.org/officeDocument/2006/customXml" ds:itemID="{F7F16324-00F6-4901-AE07-0B39133023E0}">
-  <ds:schemaRefs>
-    <ds:schemaRef ds:uri="6cdacd50-8774-4c86-bb83-dcec658b6699"/>
-    <ds:schemaRef ds:uri="http://www.w3.org/XML/1998/namespace"/>
-    <ds:schemaRef ds:uri="http://schemas.microsoft.com/office/2006/metadata/properties"/>
-    <ds:schemaRef ds:uri="2d5a7bfe-0820-4b22-bc71-35a9a741b009"/>
-    <ds:schemaRef ds:uri="http://schemas.microsoft.com/office/2006/documentManagement/types"/>
-    <ds:schemaRef ds:uri="http://purl.org/dc/dcmitype/"/>
-    <ds:schemaRef ds:uri="http://schemas.openxmlformats.org/package/2006/metadata/core-properties"/>
-    <ds:schemaRef ds:uri="http://schemas.microsoft.com/office/infopath/2007/PartnerControls"/>
-    <ds:schemaRef ds:uri="http://purl.org/dc/terms/"/>
-    <ds:schemaRef ds:uri="http://purl.org/dc/elements/1.1/"/>
-  </ds:schemaRefs>
-</ds:datastoreItem>
 </file>
--- a/Apresentação Projeto individual.pptx
+++ b/Apresentação Projeto individual.pptx
@@ -13,6 +13,7 @@
     <p:sldId id="263" r:id="rId10"/>
     <p:sldId id="260" r:id="rId11"/>
     <p:sldId id="261" r:id="rId12"/>
+    <p:sldId id="265" r:id="rId13"/>
   </p:sldIdLst>
   <p:sldSz cx="12192000" cy="6858000"/>
   <p:notesSz cx="6858000" cy="9144000"/>
@@ -6320,42 +6321,6 @@
           </a:p>
         </p:txBody>
       </p:sp>
-      <p:pic>
-        <p:nvPicPr>
-          <p:cNvPr id="4" name="Imagem 3" descr="Desenho com traços pretos em fundo branco&#10;&#10;Descrição gerada automaticamente com confiança média">
-            <a:extLst>
-              <a:ext uri="{FF2B5EF4-FFF2-40B4-BE49-F238E27FC236}">
-                <a16:creationId xmlns:a16="http://schemas.microsoft.com/office/drawing/2014/main" id="{0F2597D6-6C07-3454-878B-315F1F8A4719}"/>
-              </a:ext>
-            </a:extLst>
-          </p:cNvPr>
-          <p:cNvPicPr>
-            <a:picLocks noChangeAspect="1"/>
-          </p:cNvPicPr>
-          <p:nvPr/>
-        </p:nvPicPr>
-        <p:blipFill>
-          <a:blip r:embed="rId2">
-            <a:extLst>
-              <a:ext uri="{28A0092B-C50C-407E-A947-70E740481C1C}">
-                <a14:useLocalDpi xmlns:a14="http://schemas.microsoft.com/office/drawing/2010/main" val="0"/>
-              </a:ext>
-            </a:extLst>
-          </a:blip>
-          <a:stretch>
-            <a:fillRect/>
-          </a:stretch>
-        </p:blipFill>
-        <p:spPr>
-          <a:xfrm>
-            <a:off x="9481238" y="5879545"/>
-            <a:ext cx="2373523" cy="777010"/>
-          </a:xfrm>
-          <a:prstGeom prst="rect">
-            <a:avLst/>
-          </a:prstGeom>
-        </p:spPr>
-      </p:pic>
     </p:spTree>
     <p:extLst>
       <p:ext uri="{BB962C8B-B14F-4D97-AF65-F5344CB8AC3E}">
@@ -6559,6 +6524,254 @@
       <p:bldP spid="2" grpId="0"/>
       <p:bldP spid="3" grpId="0" build="p"/>
     </p:bldLst>
+  </p:timing>
+</p:sld>
+</file>
+
+<file path=ppt/slides/slide9.xml><?xml version="1.0" encoding="utf-8"?>
+<p:sld xmlns:a="http://schemas.openxmlformats.org/drawingml/2006/main" xmlns:r="http://schemas.openxmlformats.org/officeDocument/2006/relationships" xmlns:p="http://schemas.openxmlformats.org/presentationml/2006/main">
+  <p:cSld>
+    <p:spTree>
+      <p:nvGrpSpPr>
+        <p:cNvPr id="1" name=""/>
+        <p:cNvGrpSpPr/>
+        <p:nvPr/>
+      </p:nvGrpSpPr>
+      <p:grpSpPr>
+        <a:xfrm>
+          <a:off x="0" y="0"/>
+          <a:ext cx="0" cy="0"/>
+          <a:chOff x="0" y="0"/>
+          <a:chExt cx="0" cy="0"/>
+        </a:xfrm>
+      </p:grpSpPr>
+      <p:sp>
+        <p:nvSpPr>
+          <p:cNvPr id="2" name="Título 1">
+            <a:extLst>
+              <a:ext uri="{FF2B5EF4-FFF2-40B4-BE49-F238E27FC236}">
+                <a16:creationId xmlns:a16="http://schemas.microsoft.com/office/drawing/2014/main" id="{C63522D1-9466-2420-9CC7-7E3DEB25A260}"/>
+              </a:ext>
+            </a:extLst>
+          </p:cNvPr>
+          <p:cNvSpPr>
+            <a:spLocks noGrp="1"/>
+          </p:cNvSpPr>
+          <p:nvPr>
+            <p:ph type="title"/>
+          </p:nvPr>
+        </p:nvSpPr>
+        <p:spPr/>
+        <p:txBody>
+          <a:bodyPr/>
+          <a:lstStyle/>
+          <a:p>
+            <a:endParaRPr lang="pt-BR"/>
+          </a:p>
+        </p:txBody>
+      </p:sp>
+      <p:sp>
+        <p:nvSpPr>
+          <p:cNvPr id="3" name="Espaço Reservado para Conteúdo 2">
+            <a:extLst>
+              <a:ext uri="{FF2B5EF4-FFF2-40B4-BE49-F238E27FC236}">
+                <a16:creationId xmlns:a16="http://schemas.microsoft.com/office/drawing/2014/main" id="{A41E83AD-C32E-142B-E555-DD2EF9EFD67D}"/>
+              </a:ext>
+            </a:extLst>
+          </p:cNvPr>
+          <p:cNvSpPr>
+            <a:spLocks noGrp="1"/>
+          </p:cNvSpPr>
+          <p:nvPr>
+            <p:ph idx="1"/>
+          </p:nvPr>
+        </p:nvSpPr>
+        <p:spPr/>
+        <p:txBody>
+          <a:bodyPr/>
+          <a:lstStyle/>
+          <a:p>
+            <a:endParaRPr lang="pt-BR"/>
+          </a:p>
+        </p:txBody>
+      </p:sp>
+      <p:pic>
+        <p:nvPicPr>
+          <p:cNvPr id="4" name="Imagem 3" descr="Desenho com traços pretos em fundo branco&#10;&#10;Descrição gerada automaticamente com confiança média">
+            <a:extLst>
+              <a:ext uri="{FF2B5EF4-FFF2-40B4-BE49-F238E27FC236}">
+                <a16:creationId xmlns:a16="http://schemas.microsoft.com/office/drawing/2014/main" id="{517AC66C-F487-9367-425E-1E457B2DB1C4}"/>
+              </a:ext>
+            </a:extLst>
+          </p:cNvPr>
+          <p:cNvPicPr>
+            <a:picLocks noChangeAspect="1"/>
+          </p:cNvPicPr>
+          <p:nvPr/>
+        </p:nvPicPr>
+        <p:blipFill>
+          <a:blip r:embed="rId2">
+            <a:extLst>
+              <a:ext uri="{28A0092B-C50C-407E-A947-70E740481C1C}">
+                <a14:useLocalDpi xmlns:a14="http://schemas.microsoft.com/office/drawing/2010/main" val="0"/>
+              </a:ext>
+            </a:extLst>
+          </a:blip>
+          <a:stretch>
+            <a:fillRect/>
+          </a:stretch>
+        </p:blipFill>
+        <p:spPr>
+          <a:xfrm>
+            <a:off x="3327139" y="2522570"/>
+            <a:ext cx="5537721" cy="1812860"/>
+          </a:xfrm>
+          <a:prstGeom prst="rect">
+            <a:avLst/>
+          </a:prstGeom>
+        </p:spPr>
+      </p:pic>
+    </p:spTree>
+    <p:extLst>
+      <p:ext uri="{BB962C8B-B14F-4D97-AF65-F5344CB8AC3E}">
+        <p14:creationId xmlns:p14="http://schemas.microsoft.com/office/powerpoint/2010/main" val="1272034390"/>
+      </p:ext>
+    </p:extLst>
+  </p:cSld>
+  <p:clrMapOvr>
+    <a:masterClrMapping/>
+  </p:clrMapOvr>
+  <p:timing>
+    <p:tnLst>
+      <p:par>
+        <p:cTn id="1" dur="indefinite" restart="never" nodeType="tmRoot">
+          <p:childTnLst>
+            <p:seq concurrent="1" nextAc="seek">
+              <p:cTn id="2" dur="indefinite" nodeType="mainSeq">
+                <p:childTnLst>
+                  <p:par>
+                    <p:cTn id="3" fill="hold">
+                      <p:stCondLst>
+                        <p:cond delay="indefinite"/>
+                        <p:cond evt="onBegin" delay="0">
+                          <p:tn val="2"/>
+                        </p:cond>
+                      </p:stCondLst>
+                      <p:childTnLst>
+                        <p:par>
+                          <p:cTn id="4" fill="hold">
+                            <p:stCondLst>
+                              <p:cond delay="0"/>
+                            </p:stCondLst>
+                            <p:childTnLst>
+                              <p:par>
+                                <p:cTn id="5" presetID="42" presetClass="entr" presetSubtype="0" fill="hold" nodeType="withEffect">
+                                  <p:stCondLst>
+                                    <p:cond delay="0"/>
+                                  </p:stCondLst>
+                                  <p:childTnLst>
+                                    <p:set>
+                                      <p:cBhvr>
+                                        <p:cTn id="6" dur="1" fill="hold">
+                                          <p:stCondLst>
+                                            <p:cond delay="0"/>
+                                          </p:stCondLst>
+                                        </p:cTn>
+                                        <p:tgtEl>
+                                          <p:spTgt spid="4"/>
+                                        </p:tgtEl>
+                                        <p:attrNameLst>
+                                          <p:attrName>style.visibility</p:attrName>
+                                        </p:attrNameLst>
+                                      </p:cBhvr>
+                                      <p:to>
+                                        <p:strVal val="visible"/>
+                                      </p:to>
+                                    </p:set>
+                                    <p:animEffect transition="in" filter="fade">
+                                      <p:cBhvr>
+                                        <p:cTn id="7" dur="1000"/>
+                                        <p:tgtEl>
+                                          <p:spTgt spid="4"/>
+                                        </p:tgtEl>
+                                      </p:cBhvr>
+                                    </p:animEffect>
+                                    <p:anim calcmode="lin" valueType="num">
+                                      <p:cBhvr>
+                                        <p:cTn id="8" dur="1000" fill="hold"/>
+                                        <p:tgtEl>
+                                          <p:spTgt spid="4"/>
+                                        </p:tgtEl>
+                                        <p:attrNameLst>
+                                          <p:attrName>ppt_x</p:attrName>
+                                        </p:attrNameLst>
+                                      </p:cBhvr>
+                                      <p:tavLst>
+                                        <p:tav tm="0">
+                                          <p:val>
+                                            <p:strVal val="#ppt_x"/>
+                                          </p:val>
+                                        </p:tav>
+                                        <p:tav tm="100000">
+                                          <p:val>
+                                            <p:strVal val="#ppt_x"/>
+                                          </p:val>
+                                        </p:tav>
+                                      </p:tavLst>
+                                    </p:anim>
+                                    <p:anim calcmode="lin" valueType="num">
+                                      <p:cBhvr>
+                                        <p:cTn id="9" dur="1000" fill="hold"/>
+                                        <p:tgtEl>
+                                          <p:spTgt spid="4"/>
+                                        </p:tgtEl>
+                                        <p:attrNameLst>
+                                          <p:attrName>ppt_y</p:attrName>
+                                        </p:attrNameLst>
+                                      </p:cBhvr>
+                                      <p:tavLst>
+                                        <p:tav tm="0">
+                                          <p:val>
+                                            <p:strVal val="#ppt_y+.1"/>
+                                          </p:val>
+                                        </p:tav>
+                                        <p:tav tm="100000">
+                                          <p:val>
+                                            <p:strVal val="#ppt_y"/>
+                                          </p:val>
+                                        </p:tav>
+                                      </p:tavLst>
+                                    </p:anim>
+                                  </p:childTnLst>
+                                </p:cTn>
+                              </p:par>
+                            </p:childTnLst>
+                          </p:cTn>
+                        </p:par>
+                      </p:childTnLst>
+                    </p:cTn>
+                  </p:par>
+                </p:childTnLst>
+              </p:cTn>
+              <p:prevCondLst>
+                <p:cond evt="onPrev" delay="0">
+                  <p:tgtEl>
+                    <p:sldTgt/>
+                  </p:tgtEl>
+                </p:cond>
+              </p:prevCondLst>
+              <p:nextCondLst>
+                <p:cond evt="onNext" delay="0">
+                  <p:tgtEl>
+                    <p:sldTgt/>
+                  </p:tgtEl>
+                </p:cond>
+              </p:nextCondLst>
+            </p:seq>
+          </p:childTnLst>
+        </p:cTn>
+      </p:par>
+    </p:tnLst>
   </p:timing>
 </p:sld>
 </file>
@@ -6868,12 +7081,6 @@
 </file>
 
 <file path=customXml/item2.xml><?xml version="1.0" encoding="utf-8"?>
-<p:properties xmlns:p="http://schemas.microsoft.com/office/2006/metadata/properties" xmlns:xsi="http://www.w3.org/2001/XMLSchema-instance" xmlns:pc="http://schemas.microsoft.com/office/infopath/2007/PartnerControls">
-  <documentManagement/>
-</p:properties>
-</file>
-
-<file path=customXml/item3.xml><?xml version="1.0" encoding="utf-8"?>
 <ct:contentTypeSchema xmlns:ct="http://schemas.microsoft.com/office/2006/metadata/contentType" xmlns:ma="http://schemas.microsoft.com/office/2006/metadata/properties/metaAttributes" ct:_="" ma:_="" ma:contentTypeName="Document" ma:contentTypeID="0x010100DEF508B21CBF874889FD89257544D6AE" ma:contentTypeVersion="6" ma:contentTypeDescription="Create a new document." ma:contentTypeScope="" ma:versionID="cf189616d262d05ea1f3c0d22cc602ae">
   <xsd:schema xmlns:xsd="http://www.w3.org/2001/XMLSchema" xmlns:xs="http://www.w3.org/2001/XMLSchema" xmlns:p="http://schemas.microsoft.com/office/2006/metadata/properties" xmlns:ns3="2d5a7bfe-0820-4b22-bc71-35a9a741b009" xmlns:ns4="6cdacd50-8774-4c86-bb83-dcec658b6699" targetNamespace="http://schemas.microsoft.com/office/2006/metadata/properties" ma:root="true" ma:fieldsID="e30b13833468083092728bec0247862f" ns3:_="" ns4:_="">
     <xsd:import namespace="2d5a7bfe-0820-4b22-bc71-35a9a741b009"/>
@@ -7050,6 +7257,12 @@
 </ct:contentTypeSchema>
 </file>
 
+<file path=customXml/item3.xml><?xml version="1.0" encoding="utf-8"?>
+<p:properties xmlns:p="http://schemas.microsoft.com/office/2006/metadata/properties" xmlns:xsi="http://www.w3.org/2001/XMLSchema-instance" xmlns:pc="http://schemas.microsoft.com/office/infopath/2007/PartnerControls">
+  <documentManagement/>
+</p:properties>
+</file>
+
 <file path=customXml/itemProps1.xml><?xml version="1.0" encoding="utf-8"?>
 <ds:datastoreItem xmlns:ds="http://schemas.openxmlformats.org/officeDocument/2006/customXml" ds:itemID="{63C398D8-0CED-40F9-9D39-FD584A4A9B38}">
   <ds:schemaRefs>
@@ -7059,23 +7272,6 @@
 </file>
 
 <file path=customXml/itemProps2.xml><?xml version="1.0" encoding="utf-8"?>
-<ds:datastoreItem xmlns:ds="http://schemas.openxmlformats.org/officeDocument/2006/customXml" ds:itemID="{F7F16324-00F6-4901-AE07-0B39133023E0}">
-  <ds:schemaRefs>
-    <ds:schemaRef ds:uri="6cdacd50-8774-4c86-bb83-dcec658b6699"/>
-    <ds:schemaRef ds:uri="http://www.w3.org/XML/1998/namespace"/>
-    <ds:schemaRef ds:uri="http://schemas.microsoft.com/office/2006/metadata/properties"/>
-    <ds:schemaRef ds:uri="2d5a7bfe-0820-4b22-bc71-35a9a741b009"/>
-    <ds:schemaRef ds:uri="http://schemas.microsoft.com/office/2006/documentManagement/types"/>
-    <ds:schemaRef ds:uri="http://purl.org/dc/dcmitype/"/>
-    <ds:schemaRef ds:uri="http://schemas.openxmlformats.org/package/2006/metadata/core-properties"/>
-    <ds:schemaRef ds:uri="http://schemas.microsoft.com/office/infopath/2007/PartnerControls"/>
-    <ds:schemaRef ds:uri="http://purl.org/dc/terms/"/>
-    <ds:schemaRef ds:uri="http://purl.org/dc/elements/1.1/"/>
-  </ds:schemaRefs>
-</ds:datastoreItem>
-</file>
-
-<file path=customXml/itemProps3.xml><?xml version="1.0" encoding="utf-8"?>
 <ds:datastoreItem xmlns:ds="http://schemas.openxmlformats.org/officeDocument/2006/customXml" ds:itemID="{B3CED50F-28E4-407C-B0C5-51218434246E}">
   <ds:schemaRefs>
     <ds:schemaRef ds:uri="http://schemas.microsoft.com/office/2006/metadata/contentType"/>
@@ -7092,4 +7288,21 @@
     <ds:schemaRef ds:uri="http://schemas.microsoft.com/internal/obd"/>
   </ds:schemaRefs>
 </ds:datastoreItem>
+</file>
+
+<file path=customXml/itemProps3.xml><?xml version="1.0" encoding="utf-8"?>
+<ds:datastoreItem xmlns:ds="http://schemas.openxmlformats.org/officeDocument/2006/customXml" ds:itemID="{F7F16324-00F6-4901-AE07-0B39133023E0}">
+  <ds:schemaRefs>
+    <ds:schemaRef ds:uri="6cdacd50-8774-4c86-bb83-dcec658b6699"/>
+    <ds:schemaRef ds:uri="http://www.w3.org/XML/1998/namespace"/>
+    <ds:schemaRef ds:uri="http://schemas.microsoft.com/office/2006/metadata/properties"/>
+    <ds:schemaRef ds:uri="2d5a7bfe-0820-4b22-bc71-35a9a741b009"/>
+    <ds:schemaRef ds:uri="http://schemas.microsoft.com/office/2006/documentManagement/types"/>
+    <ds:schemaRef ds:uri="http://purl.org/dc/dcmitype/"/>
+    <ds:schemaRef ds:uri="http://schemas.openxmlformats.org/package/2006/metadata/core-properties"/>
+    <ds:schemaRef ds:uri="http://schemas.microsoft.com/office/infopath/2007/PartnerControls"/>
+    <ds:schemaRef ds:uri="http://purl.org/dc/terms/"/>
+    <ds:schemaRef ds:uri="http://purl.org/dc/elements/1.1/"/>
+  </ds:schemaRefs>
+</ds:datastoreItem>
 </file>